--- a/Presentation.pptx
+++ b/Presentation.pptx
@@ -156,7 +156,6 @@
           </a:p>
         </c:rich>
       </c:tx>
-      <c:layout/>
       <c:overlay val="0"/>
       <c:spPr>
         <a:noFill/>
@@ -1248,11 +1247,11 @@
           <c:showBubbleSize val="0"/>
         </c:dLbls>
         <c:smooth val="0"/>
-        <c:axId val="-2025333792"/>
-        <c:axId val="-2026878944"/>
+        <c:axId val="2143511232"/>
+        <c:axId val="2143508608"/>
       </c:lineChart>
       <c:catAx>
-        <c:axId val="-2025333792"/>
+        <c:axId val="2143511232"/>
         <c:scaling>
           <c:orientation val="minMax"/>
         </c:scaling>
@@ -1294,7 +1293,7 @@
             <a:endParaRPr lang="it-IT"/>
           </a:p>
         </c:txPr>
-        <c:crossAx val="-2026878944"/>
+        <c:crossAx val="2143508608"/>
         <c:crosses val="autoZero"/>
         <c:auto val="1"/>
         <c:lblAlgn val="ctr"/>
@@ -1303,7 +1302,7 @@
         <c:noMultiLvlLbl val="0"/>
       </c:catAx>
       <c:valAx>
-        <c:axId val="-2026878944"/>
+        <c:axId val="2143508608"/>
         <c:scaling>
           <c:orientation val="minMax"/>
         </c:scaling>
@@ -1368,7 +1367,7 @@
             <a:endParaRPr lang="it-IT"/>
           </a:p>
         </c:txPr>
-        <c:crossAx val="-2025333792"/>
+        <c:crossAx val="2143511232"/>
         <c:crosses val="autoZero"/>
         <c:crossBetween val="between"/>
       </c:valAx>
@@ -1382,7 +1381,6 @@
     </c:plotArea>
     <c:legend>
       <c:legendPos val="t"/>
-      <c:layout/>
       <c:overlay val="0"/>
       <c:spPr>
         <a:noFill/>
@@ -1484,7 +1482,6 @@
           </a:p>
         </c:rich>
       </c:tx>
-      <c:layout/>
       <c:overlay val="0"/>
       <c:spPr>
         <a:noFill/>
@@ -2315,11 +2312,11 @@
           <c:showBubbleSize val="0"/>
         </c:dLbls>
         <c:smooth val="0"/>
-        <c:axId val="-2026881408"/>
-        <c:axId val="-2011658944"/>
+        <c:axId val="2142433616"/>
+        <c:axId val="2142371040"/>
       </c:lineChart>
       <c:catAx>
-        <c:axId val="-2026881408"/>
+        <c:axId val="2142433616"/>
         <c:scaling>
           <c:orientation val="minMax"/>
         </c:scaling>
@@ -2361,7 +2358,7 @@
             <a:endParaRPr lang="it-IT"/>
           </a:p>
         </c:txPr>
-        <c:crossAx val="-2011658944"/>
+        <c:crossAx val="2142371040"/>
         <c:crosses val="autoZero"/>
         <c:auto val="1"/>
         <c:lblAlgn val="ctr"/>
@@ -2370,7 +2367,7 @@
         <c:noMultiLvlLbl val="0"/>
       </c:catAx>
       <c:valAx>
-        <c:axId val="-2011658944"/>
+        <c:axId val="2142371040"/>
         <c:scaling>
           <c:orientation val="minMax"/>
         </c:scaling>
@@ -2435,7 +2432,7 @@
             <a:endParaRPr lang="it-IT"/>
           </a:p>
         </c:txPr>
-        <c:crossAx val="-2026881408"/>
+        <c:crossAx val="2142433616"/>
         <c:crosses val="autoZero"/>
         <c:crossBetween val="between"/>
       </c:valAx>
@@ -17252,13 +17249,11 @@
           <a:p>
             <a:r>
               <a:rPr lang="it-IT" dirty="0" smtClean="0"/>
-              <a:t>Andrea Damiani</a:t>
+              <a:t>Emanuele </a:t>
             </a:r>
-          </a:p>
-          <a:p>
             <a:r>
               <a:rPr lang="it-IT" dirty="0" smtClean="0"/>
-              <a:t>Emanuele Mason</a:t>
+              <a:t>Mason</a:t>
             </a:r>
             <a:endParaRPr lang="it-IT" dirty="0"/>
           </a:p>
